--- a/Full project.pptx
+++ b/Full project.pptx
@@ -1230,7 +1230,7 @@
               </a:spcAft>
               <a:buNone/>
             </a:pPr>
-            <a:endParaRPr/>
+            <a:endParaRPr dirty="0"/>
           </a:p>
         </p:txBody>
       </p:sp>
@@ -7508,8 +7508,13 @@
             </a:pPr>
             <a:r>
               <a:rPr lang="ru-RU" dirty="0"/>
-              <a:t>Отчет: ссылка на этот отчет</a:t>
+              <a:t>Отчет: </a:t>
             </a:r>
+            <a:r>
+              <a:rPr lang="en-US" dirty="0"/>
+              <a:t>https://github.com/SyberiaEmperor/OkFridge/blob/master/Full%20project.pptx</a:t>
+            </a:r>
+            <a:endParaRPr lang="ru-RU" dirty="0"/>
           </a:p>
         </p:txBody>
       </p:sp>
